--- a/server/uploads/updated-format.pptx
+++ b/server/uploads/updated-format.pptx
@@ -1121,7 +1121,7 @@
     <p:bg>
       <p:bgPr>
         <a:solidFill>
-          <a:srgbClr val="505050"/>
+          <a:srgbClr val="FF0000"/>
         </a:solidFill>
         <a:effectLst/>
       </p:bgPr>
@@ -1163,7 +1163,7 @@
             <a:r>
               <a:rPr lang="en-US" sz="6000" dirty="0">
                 <a:solidFill>
-                  <a:srgbClr val="56d5ff"/>
+                  <a:srgbClr val="00B0F0"/>
                 </a:solidFill>
               </a:rPr>
               <a:t>TITLE</a:t>
@@ -1199,33 +1199,25 @@
           <a:p>
             <a:pPr algn="ctr"/>
             <a:r>
+              <a:rPr lang="en-US" sz="2800" dirty="0"/>
+              <a:t>Word1 word2 word3 word4</a:t>
+            </a:r>
+          </a:p>
+          <a:p>
+            <a:pPr algn="ctr"/>
+            <a:r>
               <a:rPr lang="en-US" sz="2800" dirty="0">
                 <a:solidFill>
-                  <a:srgbClr val="ffffff"/>
-                </a:solidFill>
-              </a:rPr>
-              <a:t>Word1 word2 word3 word4</a:t>
+                  <a:srgbClr val="002060"/>
+                </a:solidFill>
+              </a:rPr>
+              <a:t>Word5 word6</a:t>
             </a:r>
           </a:p>
           <a:p>
             <a:pPr algn="ctr"/>
             <a:r>
-              <a:rPr lang="en-US" sz="2800" dirty="0">
-                <a:solidFill>
-                  <a:srgbClr val="e0ddff"/>
-                </a:solidFill>
-              </a:rPr>
-              <a:t>Word5 word6</a:t>
-            </a:r>
-          </a:p>
-          <a:p>
-            <a:pPr algn="ctr"/>
-            <a:r>
-              <a:rPr lang="en-US" sz="2800" dirty="0">
-                <a:solidFill>
-                  <a:srgbClr val="ffffff"/>
-                </a:solidFill>
-              </a:rPr>
+              <a:rPr lang="en-US" sz="2800" dirty="0"/>
               <a:t>Word7 word8 word9</a:t>
             </a:r>
           </a:p>
@@ -1259,33 +1251,21 @@
           <a:p>
             <a:pPr algn="ctr"/>
             <a:r>
-              <a:rPr lang="en-US" sz="2800" dirty="0">
-                <a:solidFill>
-                  <a:srgbClr val="ffffff"/>
-                </a:solidFill>
-              </a:rPr>
+              <a:rPr lang="en-US" sz="2800" dirty="0"/>
               <a:t>Word11 word12 word13 word14</a:t>
             </a:r>
           </a:p>
           <a:p>
             <a:pPr algn="ctr"/>
             <a:r>
-              <a:rPr lang="en-US" sz="2800" dirty="0">
-                <a:solidFill>
-                  <a:srgbClr val="ffffff"/>
-                </a:solidFill>
-              </a:rPr>
+              <a:rPr lang="en-US" sz="2800" dirty="0"/>
               <a:t>word15 word16</a:t>
             </a:r>
           </a:p>
           <a:p>
             <a:pPr algn="ctr"/>
             <a:r>
-              <a:rPr lang="en-US" sz="2800" dirty="0">
-                <a:solidFill>
-                  <a:srgbClr val="ffffff"/>
-                </a:solidFill>
-              </a:rPr>
+              <a:rPr lang="en-US" sz="2800" dirty="0"/>
               <a:t>word17 word18 word19</a:t>
             </a:r>
           </a:p>
@@ -1491,6 +1471,14 @@
 <file path=ppt/slides/slide3.xml><?xml version="1.0" encoding="utf-8"?>
 <p:sld xmlns:a="http://schemas.openxmlformats.org/drawingml/2006/main" xmlns:r="http://schemas.openxmlformats.org/officeDocument/2006/relationships" xmlns:p="http://schemas.openxmlformats.org/presentationml/2006/main">
   <p:cSld>
+    <p:bg>
+      <p:bgPr>
+        <a:solidFill>
+          <a:srgbClr val="505050"/>
+        </a:solidFill>
+        <a:effectLst/>
+      </p:bgPr>
+    </p:bg>
     <p:spTree>
       <p:nvGrpSpPr>
         <p:cNvPr id="1" name=""/>
@@ -1528,10 +1516,10 @@
             <a:r>
               <a:rPr lang="en-US" sz="6000" dirty="0">
                 <a:solidFill>
-                  <a:srgbClr val="00B0F0"/>
-                </a:solidFill>
-              </a:rPr>
-              <a:t>Outline</a:t>
+                  <a:srgbClr val="56d5ff"/>
+                </a:solidFill>
+              </a:rPr>
+              <a:t>Outline.</a:t>
             </a:r>
           </a:p>
         </p:txBody>
@@ -1571,10 +1559,10 @@
             <a:r>
               <a:rPr lang="en-US" sz="3600" dirty="0">
                 <a:solidFill>
-                  <a:srgbClr val="00B0F0"/>
-                </a:solidFill>
-              </a:rPr>
-              <a:t>Machine learning</a:t>
+                  <a:srgbClr val="56d5ff"/>
+                </a:solidFill>
+              </a:rPr>
+              <a:t>Machine learning.</a:t>
             </a:r>
           </a:p>
           <a:p>
@@ -1585,58 +1573,10 @@
             <a:r>
               <a:rPr lang="en-US" sz="3600" dirty="0" err="1">
                 <a:solidFill>
-                  <a:srgbClr val="002060"/>
-                </a:solidFill>
-              </a:rPr>
-              <a:t>Bla</a:t>
-            </a:r>
-            <a:r>
-              <a:rPr lang="en-US" sz="3600" dirty="0">
-                <a:solidFill>
-                  <a:srgbClr val="002060"/>
-                </a:solidFill>
-              </a:rPr>
-              <a:t> </a:t>
-            </a:r>
-            <a:r>
-              <a:rPr lang="en-US" sz="3600" dirty="0" err="1">
-                <a:solidFill>
-                  <a:srgbClr val="002060"/>
-                </a:solidFill>
-              </a:rPr>
-              <a:t>bla</a:t>
-            </a:r>
-            <a:r>
-              <a:rPr lang="en-US" sz="3600" dirty="0">
-                <a:solidFill>
-                  <a:srgbClr val="002060"/>
-                </a:solidFill>
-              </a:rPr>
-              <a:t> </a:t>
-            </a:r>
-            <a:r>
-              <a:rPr lang="en-US" sz="3600" dirty="0" err="1">
-                <a:solidFill>
-                  <a:srgbClr val="002060"/>
-                </a:solidFill>
-              </a:rPr>
-              <a:t>bla</a:t>
-            </a:r>
-            <a:r>
-              <a:rPr lang="en-US" sz="3600" dirty="0">
-                <a:solidFill>
-                  <a:srgbClr val="002060"/>
-                </a:solidFill>
-              </a:rPr>
-              <a:t> </a:t>
-            </a:r>
-            <a:r>
-              <a:rPr lang="en-US" sz="3600" dirty="0" err="1">
-                <a:solidFill>
-                  <a:srgbClr val="002060"/>
-                </a:solidFill>
-              </a:rPr>
-              <a:t>bla</a:t>
+                  <a:srgbClr val="e0ddff"/>
+                </a:solidFill>
+              </a:rPr>
+              <a:t> Bla bla bla bla.</a:t>
             </a:r>
             <a:endParaRPr lang="en-US" sz="3600" dirty="0">
               <a:solidFill>
@@ -1650,12 +1590,12 @@
               <a:buChar char="•"/>
             </a:pPr>
             <a:r>
-              <a:rPr lang="en-US" sz="3600" dirty="0" err="1"/>
-              <a:t>Seccend</a:t>
-            </a:r>
-            <a:r>
-              <a:rPr lang="en-US" sz="3600" dirty="0"/>
-              <a:t> subject</a:t>
+              <a:rPr lang="en-US" sz="3600" dirty="0" err="1">
+                <a:solidFill>
+                  <a:srgbClr val="ffffff"/>
+                </a:solidFill>
+              </a:rPr>
+              <a:t> Seccend subject.</a:t>
             </a:r>
           </a:p>
           <a:p>
@@ -1664,16 +1604,12 @@
               <a:buChar char="•"/>
             </a:pPr>
             <a:r>
-              <a:rPr lang="en-US" sz="3600" dirty="0" err="1"/>
-              <a:t>Bla</a:t>
-            </a:r>
-            <a:r>
-              <a:rPr lang="en-US" sz="3600" dirty="0"/>
-              <a:t> </a:t>
-            </a:r>
-            <a:r>
-              <a:rPr lang="en-US" sz="3600" dirty="0" err="1"/>
-              <a:t>bla</a:t>
+              <a:rPr lang="en-US" sz="3600" dirty="0" err="1">
+                <a:solidFill>
+                  <a:srgbClr val="ffffff"/>
+                </a:solidFill>
+              </a:rPr>
+              <a:t> Bla bla.</a:t>
             </a:r>
             <a:endParaRPr lang="en-US" sz="3600" dirty="0"/>
           </a:p>
@@ -1683,16 +1619,12 @@
               <a:buChar char="•"/>
             </a:pPr>
             <a:r>
-              <a:rPr lang="en-US" sz="3600" dirty="0"/>
-              <a:t>Blo </a:t>
-            </a:r>
-            <a:r>
-              <a:rPr lang="en-US" sz="3600" dirty="0" err="1"/>
-              <a:t>blo</a:t>
-            </a:r>
-            <a:r>
-              <a:rPr lang="en-US" sz="3600" dirty="0"/>
-              <a:t> </a:t>
+              <a:rPr lang="en-US" sz="3600" dirty="0">
+                <a:solidFill>
+                  <a:srgbClr val="ffffff"/>
+                </a:solidFill>
+              </a:rPr>
+              <a:t> Blo blo .</a:t>
             </a:r>
           </a:p>
           <a:p>
@@ -1701,8 +1633,12 @@
               <a:buChar char="•"/>
             </a:pPr>
             <a:r>
-              <a:rPr lang="en-US" sz="3600" dirty="0"/>
-              <a:t>finish</a:t>
+              <a:rPr lang="en-US" sz="3600" dirty="0">
+                <a:solidFill>
+                  <a:srgbClr val="ffffff"/>
+                </a:solidFill>
+              </a:rPr>
+              <a:t>finish.</a:t>
             </a:r>
           </a:p>
         </p:txBody>
